--- a/lectures/introduction-internship.pptx
+++ b/lectures/introduction-internship.pptx
@@ -174,7 +174,7 @@
 <file path=ppt/revisionInfo.xml><?xml version="1.0" encoding="utf-8"?>
 <p1510:revInfo xmlns:a="http://schemas.openxmlformats.org/drawingml/2006/main" xmlns:r="http://schemas.openxmlformats.org/officeDocument/2006/relationships" xmlns:p1510="http://schemas.microsoft.com/office/powerpoint/2015/10/main">
   <p1510:revLst>
-    <p1510:client id="{DBF7E791-651D-4F15-8628-A795EB6714FC}" v="1" dt="2023-08-26T18:02:38.240"/>
+    <p1510:client id="{DBF7E791-651D-4F15-8628-A795EB6714FC}" v="2" dt="2023-09-01T13:28:39.016"/>
   </p1510:revLst>
 </p1510:revInfo>
 </file>
@@ -183,23 +183,53 @@
 <pc:chgInfo xmlns:a="http://schemas.openxmlformats.org/drawingml/2006/main" xmlns:r="http://schemas.openxmlformats.org/officeDocument/2006/relationships" xmlns:ac="http://schemas.microsoft.com/office/drawing/2013/main/command" xmlns:pc="http://schemas.microsoft.com/office/powerpoint/2013/main/command">
   <pc:docChgLst>
     <pc:chgData name="Daniel Ahn" userId="cb1d34211dc1be1a" providerId="LiveId" clId="{DBF7E791-651D-4F15-8628-A795EB6714FC}"/>
-    <pc:docChg chg="modSld">
-      <pc:chgData name="Daniel Ahn" userId="cb1d34211dc1be1a" providerId="LiveId" clId="{DBF7E791-651D-4F15-8628-A795EB6714FC}" dt="2023-08-26T18:04:14.677" v="10"/>
+    <pc:docChg chg="custSel modSld">
+      <pc:chgData name="Daniel Ahn" userId="cb1d34211dc1be1a" providerId="LiveId" clId="{DBF7E791-651D-4F15-8628-A795EB6714FC}" dt="2023-09-01T13:31:17.826" v="499" actId="20577"/>
       <pc:docMkLst>
         <pc:docMk/>
       </pc:docMkLst>
       <pc:sldChg chg="modSp mod">
-        <pc:chgData name="Daniel Ahn" userId="cb1d34211dc1be1a" providerId="LiveId" clId="{DBF7E791-651D-4F15-8628-A795EB6714FC}" dt="2023-08-26T18:04:14.677" v="10"/>
+        <pc:chgData name="Daniel Ahn" userId="cb1d34211dc1be1a" providerId="LiveId" clId="{DBF7E791-651D-4F15-8628-A795EB6714FC}" dt="2023-09-01T13:30:25.958" v="492" actId="20577"/>
+        <pc:sldMkLst>
+          <pc:docMk/>
+          <pc:sldMk cId="4012695284" sldId="346"/>
+        </pc:sldMkLst>
+        <pc:spChg chg="mod">
+          <ac:chgData name="Daniel Ahn" userId="cb1d34211dc1be1a" providerId="LiveId" clId="{DBF7E791-651D-4F15-8628-A795EB6714FC}" dt="2023-09-01T13:30:25.958" v="492" actId="20577"/>
+          <ac:spMkLst>
+            <pc:docMk/>
+            <pc:sldMk cId="4012695284" sldId="346"/>
+            <ac:spMk id="3" creationId="{CECD06AE-028E-480C-90A6-E134D6571E6E}"/>
+          </ac:spMkLst>
+        </pc:spChg>
+      </pc:sldChg>
+      <pc:sldChg chg="modSp mod modAnim">
+        <pc:chgData name="Daniel Ahn" userId="cb1d34211dc1be1a" providerId="LiveId" clId="{DBF7E791-651D-4F15-8628-A795EB6714FC}" dt="2023-09-01T13:28:39.016" v="381"/>
         <pc:sldMkLst>
           <pc:docMk/>
           <pc:sldMk cId="967818555" sldId="347"/>
         </pc:sldMkLst>
         <pc:spChg chg="mod">
-          <ac:chgData name="Daniel Ahn" userId="cb1d34211dc1be1a" providerId="LiveId" clId="{DBF7E791-651D-4F15-8628-A795EB6714FC}" dt="2023-08-26T18:04:14.677" v="10"/>
+          <ac:chgData name="Daniel Ahn" userId="cb1d34211dc1be1a" providerId="LiveId" clId="{DBF7E791-651D-4F15-8628-A795EB6714FC}" dt="2023-09-01T13:24:46.824" v="214" actId="20577"/>
           <ac:spMkLst>
             <pc:docMk/>
             <pc:sldMk cId="967818555" sldId="347"/>
             <ac:spMk id="3" creationId="{CECD06AE-028E-480C-90A6-E134D6571E6E}"/>
+          </ac:spMkLst>
+        </pc:spChg>
+      </pc:sldChg>
+      <pc:sldChg chg="modSp mod">
+        <pc:chgData name="Daniel Ahn" userId="cb1d34211dc1be1a" providerId="LiveId" clId="{DBF7E791-651D-4F15-8628-A795EB6714FC}" dt="2023-09-01T13:28:25.007" v="380" actId="20577"/>
+        <pc:sldMkLst>
+          <pc:docMk/>
+          <pc:sldMk cId="733213278" sldId="348"/>
+        </pc:sldMkLst>
+        <pc:spChg chg="mod">
+          <ac:chgData name="Daniel Ahn" userId="cb1d34211dc1be1a" providerId="LiveId" clId="{DBF7E791-651D-4F15-8628-A795EB6714FC}" dt="2023-09-01T13:28:25.007" v="380" actId="20577"/>
+          <ac:spMkLst>
+            <pc:docMk/>
+            <pc:sldMk cId="733213278" sldId="348"/>
+            <ac:spMk id="3" creationId="{15A2B9B9-4B5A-4A35-9238-CCA63EE2DCFF}"/>
           </ac:spMkLst>
         </pc:spChg>
       </pc:sldChg>
@@ -215,6 +245,21 @@
             <pc:docMk/>
             <pc:sldMk cId="2300120883" sldId="385"/>
             <ac:spMk id="3" creationId="{EFCFCBD9-E1CF-4D0A-A1EC-37F37A416DCF}"/>
+          </ac:spMkLst>
+        </pc:spChg>
+      </pc:sldChg>
+      <pc:sldChg chg="modSp mod">
+        <pc:chgData name="Daniel Ahn" userId="cb1d34211dc1be1a" providerId="LiveId" clId="{DBF7E791-651D-4F15-8628-A795EB6714FC}" dt="2023-09-01T13:31:17.826" v="499" actId="20577"/>
+        <pc:sldMkLst>
+          <pc:docMk/>
+          <pc:sldMk cId="2972427327" sldId="386"/>
+        </pc:sldMkLst>
+        <pc:spChg chg="mod">
+          <ac:chgData name="Daniel Ahn" userId="cb1d34211dc1be1a" providerId="LiveId" clId="{DBF7E791-651D-4F15-8628-A795EB6714FC}" dt="2023-09-01T13:31:17.826" v="499" actId="20577"/>
+          <ac:spMkLst>
+            <pc:docMk/>
+            <pc:sldMk cId="2972427327" sldId="386"/>
+            <ac:spMk id="3" creationId="{8C2C68A7-9A92-43A4-813C-E596D90AF09D}"/>
           </ac:spMkLst>
         </pc:spChg>
       </pc:sldChg>
@@ -336,7 +381,7 @@
             <a:fld id="{8AD1700A-0812-4960-BDAF-BBEBDA6F415D}" type="datetime1">
               <a:rPr lang="en-US" altLang="en-US"/>
               <a:pPr/>
-              <a:t>8/26/2023</a:t>
+              <a:t>9/1/2023</a:t>
             </a:fld>
             <a:endParaRPr lang="en-US" altLang="en-US"/>
           </a:p>
@@ -618,7 +663,7 @@
           </a:ln>
           <a:extLst>
             <a:ext uri="{909E8E84-426E-40dd-AFC4-6F175D3DCCD1}">
-              <a14:hiddenFill xmlns:a14="http://schemas.microsoft.com/office/drawing/2010/main" xmlns="">
+              <a14:hiddenFill xmlns="" xmlns:a14="http://schemas.microsoft.com/office/drawing/2010/main">
                 <a:solidFill>
                   <a:srgbClr val="FFFFFF"/>
                 </a:solidFill>
@@ -1003,14 +1048,14 @@
           <a:ln/>
           <a:extLst>
             <a:ext uri="{909E8E84-426E-40dd-AFC4-6F175D3DCCD1}">
-              <a14:hiddenFill xmlns:a14="http://schemas.microsoft.com/office/drawing/2010/main" xmlns="">
+              <a14:hiddenFill xmlns="" xmlns:a14="http://schemas.microsoft.com/office/drawing/2010/main">
                 <a:solidFill>
                   <a:srgbClr val="FFFFFF"/>
                 </a:solidFill>
               </a14:hiddenFill>
             </a:ext>
             <a:ext uri="{91240B29-F687-4f45-9708-019B960494DF}">
-              <a14:hiddenLine xmlns:a14="http://schemas.microsoft.com/office/drawing/2010/main" xmlns="" w="9525">
+              <a14:hiddenLine xmlns="" xmlns:a14="http://schemas.microsoft.com/office/drawing/2010/main" w="9525">
                 <a:solidFill>
                   <a:srgbClr val="000000"/>
                 </a:solidFill>
@@ -1052,14 +1097,14 @@
           <a:ln/>
           <a:extLst>
             <a:ext uri="{909E8E84-426E-40dd-AFC4-6F175D3DCCD1}">
-              <a14:hiddenFill xmlns:a14="http://schemas.microsoft.com/office/drawing/2010/main" xmlns="">
+              <a14:hiddenFill xmlns="" xmlns:a14="http://schemas.microsoft.com/office/drawing/2010/main">
                 <a:solidFill>
                   <a:srgbClr val="FFFFFF"/>
                 </a:solidFill>
               </a14:hiddenFill>
             </a:ext>
             <a:ext uri="{91240B29-F687-4f45-9708-019B960494DF}">
-              <a14:hiddenLine xmlns:a14="http://schemas.microsoft.com/office/drawing/2010/main" xmlns="" w="9525">
+              <a14:hiddenLine xmlns="" xmlns:a14="http://schemas.microsoft.com/office/drawing/2010/main" w="9525">
                 <a:solidFill>
                   <a:srgbClr val="000000"/>
                 </a:solidFill>
@@ -1260,7 +1305,7 @@
           </a:ln>
           <a:extLst>
             <a:ext uri="{91240B29-F687-4f45-9708-019B960494DF}">
-              <a14:hiddenLine xmlns:a14="http://schemas.microsoft.com/office/drawing/2010/main" xmlns="" w="9525">
+              <a14:hiddenLine xmlns="" xmlns:a14="http://schemas.microsoft.com/office/drawing/2010/main" w="9525">
                 <a:solidFill>
                   <a:srgbClr val="000000"/>
                 </a:solidFill>
@@ -1426,14 +1471,14 @@
           </a:ln>
           <a:extLst>
             <a:ext uri="{909E8E84-426E-40dd-AFC4-6F175D3DCCD1}">
-              <a14:hiddenFill xmlns:a14="http://schemas.microsoft.com/office/drawing/2010/main" xmlns="">
+              <a14:hiddenFill xmlns="" xmlns:a14="http://schemas.microsoft.com/office/drawing/2010/main">
                 <a:solidFill>
                   <a:srgbClr val="FFFFFF"/>
                 </a:solidFill>
               </a14:hiddenFill>
             </a:ext>
             <a:ext uri="{91240B29-F687-4f45-9708-019B960494DF}">
-              <a14:hiddenLine xmlns:a14="http://schemas.microsoft.com/office/drawing/2010/main" xmlns="" w="9525">
+              <a14:hiddenLine xmlns="" xmlns:a14="http://schemas.microsoft.com/office/drawing/2010/main" w="9525">
                 <a:solidFill>
                   <a:srgbClr val="000000"/>
                 </a:solidFill>
@@ -3667,7 +3712,7 @@
             </a:ln>
             <a:extLst>
               <a:ext uri="{91240B29-F687-4f45-9708-019B960494DF}">
-                <a14:hiddenLine xmlns:a14="http://schemas.microsoft.com/office/drawing/2010/main" xmlns="" w="9525">
+                <a14:hiddenLine xmlns="" xmlns:a14="http://schemas.microsoft.com/office/drawing/2010/main" w="9525">
                   <a:solidFill>
                     <a:srgbClr val="000000"/>
                   </a:solidFill>
@@ -3830,7 +3875,7 @@
             </a:ln>
             <a:extLst>
               <a:ext uri="{91240B29-F687-4f45-9708-019B960494DF}">
-                <a14:hiddenLine xmlns:a14="http://schemas.microsoft.com/office/drawing/2010/main" xmlns="" w="9525">
+                <a14:hiddenLine xmlns="" xmlns:a14="http://schemas.microsoft.com/office/drawing/2010/main" w="9525">
                   <a:solidFill>
                     <a:srgbClr val="000000"/>
                   </a:solidFill>
@@ -3986,14 +4031,14 @@
           </a:ln>
           <a:extLst>
             <a:ext uri="{909E8E84-426E-40dd-AFC4-6F175D3DCCD1}">
-              <a14:hiddenFill xmlns:a14="http://schemas.microsoft.com/office/drawing/2010/main" xmlns="">
+              <a14:hiddenFill xmlns="" xmlns:a14="http://schemas.microsoft.com/office/drawing/2010/main">
                 <a:solidFill>
                   <a:srgbClr val="FFFFFF"/>
                 </a:solidFill>
               </a14:hiddenFill>
             </a:ext>
             <a:ext uri="{91240B29-F687-4f45-9708-019B960494DF}">
-              <a14:hiddenLine xmlns:a14="http://schemas.microsoft.com/office/drawing/2010/main" xmlns="" w="9525">
+              <a14:hiddenLine xmlns="" xmlns:a14="http://schemas.microsoft.com/office/drawing/2010/main" w="9525">
                 <a:solidFill>
                   <a:srgbClr val="000000"/>
                 </a:solidFill>
@@ -4050,14 +4095,14 @@
           </a:ln>
           <a:extLst>
             <a:ext uri="{909E8E84-426E-40dd-AFC4-6F175D3DCCD1}">
-              <a14:hiddenFill xmlns:a14="http://schemas.microsoft.com/office/drawing/2010/main" xmlns="">
+              <a14:hiddenFill xmlns="" xmlns:a14="http://schemas.microsoft.com/office/drawing/2010/main">
                 <a:solidFill>
                   <a:srgbClr val="FFFFFF"/>
                 </a:solidFill>
               </a14:hiddenFill>
             </a:ext>
             <a:ext uri="{91240B29-F687-4f45-9708-019B960494DF}">
-              <a14:hiddenLine xmlns:a14="http://schemas.microsoft.com/office/drawing/2010/main" xmlns="" w="9525">
+              <a14:hiddenLine xmlns="" xmlns:a14="http://schemas.microsoft.com/office/drawing/2010/main" w="9525">
                 <a:solidFill>
                   <a:srgbClr val="000000"/>
                 </a:solidFill>
@@ -4153,14 +4198,14 @@
           </a:ln>
           <a:extLst>
             <a:ext uri="{909E8E84-426E-40dd-AFC4-6F175D3DCCD1}">
-              <a14:hiddenFill xmlns:a14="http://schemas.microsoft.com/office/drawing/2010/main" xmlns="">
+              <a14:hiddenFill xmlns="" xmlns:a14="http://schemas.microsoft.com/office/drawing/2010/main">
                 <a:solidFill>
                   <a:srgbClr val="FFFFFF"/>
                 </a:solidFill>
               </a14:hiddenFill>
             </a:ext>
             <a:ext uri="{91240B29-F687-4f45-9708-019B960494DF}">
-              <a14:hiddenLine xmlns:a14="http://schemas.microsoft.com/office/drawing/2010/main" xmlns="" w="9525">
+              <a14:hiddenLine xmlns="" xmlns:a14="http://schemas.microsoft.com/office/drawing/2010/main" w="9525">
                 <a:solidFill>
                   <a:srgbClr val="000000"/>
                 </a:solidFill>
@@ -4732,14 +4777,14 @@
           </a:ln>
           <a:extLst>
             <a:ext uri="{909E8E84-426E-40dd-AFC4-6F175D3DCCD1}">
-              <a14:hiddenFill xmlns:a14="http://schemas.microsoft.com/office/drawing/2010/main" xmlns="">
+              <a14:hiddenFill xmlns="" xmlns:a14="http://schemas.microsoft.com/office/drawing/2010/main">
                 <a:solidFill>
                   <a:srgbClr val="FFFFFF"/>
                 </a:solidFill>
               </a14:hiddenFill>
             </a:ext>
             <a:ext uri="{91240B29-F687-4f45-9708-019B960494DF}">
-              <a14:hiddenLine xmlns:a14="http://schemas.microsoft.com/office/drawing/2010/main" xmlns="" w="9525">
+              <a14:hiddenLine xmlns="" xmlns:a14="http://schemas.microsoft.com/office/drawing/2010/main" w="9525">
                 <a:solidFill>
                   <a:srgbClr val="000000"/>
                 </a:solidFill>
@@ -4862,14 +4907,14 @@
           </a:ln>
           <a:extLst>
             <a:ext uri="{909E8E84-426E-40dd-AFC4-6F175D3DCCD1}">
-              <a14:hiddenFill xmlns:a14="http://schemas.microsoft.com/office/drawing/2010/main" xmlns="">
+              <a14:hiddenFill xmlns="" xmlns:a14="http://schemas.microsoft.com/office/drawing/2010/main">
                 <a:solidFill>
                   <a:srgbClr val="FFFFFF"/>
                 </a:solidFill>
               </a14:hiddenFill>
             </a:ext>
             <a:ext uri="{91240B29-F687-4f45-9708-019B960494DF}">
-              <a14:hiddenLine xmlns:a14="http://schemas.microsoft.com/office/drawing/2010/main" xmlns="" w="9525">
+              <a14:hiddenLine xmlns="" xmlns:a14="http://schemas.microsoft.com/office/drawing/2010/main" w="9525">
                 <a:solidFill>
                   <a:srgbClr val="000000"/>
                 </a:solidFill>
@@ -5107,8 +5152,73 @@
           <a:lstStyle/>
           <a:p>
             <a:r>
+              <a:rPr lang="en-US" dirty="0"/>
+              <a:t>Audience:</a:t>
+            </a:r>
+          </a:p>
+          <a:p>
+            <a:pPr lvl="1"/>
+            <a:r>
+              <a:rPr lang="en-US" dirty="0"/>
+              <a:t>Submit TopHat review by </a:t>
+            </a:r>
+            <a:r>
+              <a:rPr lang="en-US" dirty="0">
+                <a:solidFill>
+                  <a:srgbClr val="FF0000"/>
+                </a:solidFill>
+              </a:rPr>
+              <a:t>midnight</a:t>
+            </a:r>
+            <a:r>
+              <a:rPr lang="en-US" dirty="0"/>
+              <a:t>, same day</a:t>
+            </a:r>
+          </a:p>
+          <a:p>
+            <a:pPr lvl="2"/>
+            <a:r>
+              <a:rPr lang="en-US" dirty="0"/>
+              <a:t>Give scores for Content, Organization, and Delivery</a:t>
+            </a:r>
+            <a:endParaRPr lang="en-US" altLang="en-US" dirty="0"/>
+          </a:p>
+          <a:p>
+            <a:pPr lvl="2"/>
+            <a:r>
+              <a:rPr lang="en-US" altLang="en-US" dirty="0"/>
+              <a:t>Freeform comments on the Feedback section</a:t>
+            </a:r>
+          </a:p>
+          <a:p>
+            <a:pPr lvl="1"/>
+            <a:r>
+              <a:rPr lang="en-US" altLang="en-US" dirty="0"/>
+              <a:t>Ask lingering questions on Canvas Discussions by midnight</a:t>
+            </a:r>
+            <a:endParaRPr lang="en-US" dirty="0"/>
+          </a:p>
+          <a:p>
+            <a:pPr marL="457200" lvl="1" indent="0">
+              <a:buNone/>
+            </a:pPr>
+            <a:endParaRPr lang="en-US" altLang="en-US" dirty="0">
+              <a:solidFill>
+                <a:srgbClr val="FF0000"/>
+              </a:solidFill>
+            </a:endParaRPr>
+          </a:p>
+          <a:p>
+            <a:r>
               <a:rPr lang="en-US" altLang="en-US" dirty="0"/>
               <a:t>Speaker:</a:t>
+            </a:r>
+          </a:p>
+          <a:p>
+            <a:pPr lvl="1"/>
+            <a:r>
+              <a:rPr lang="en-US" altLang="en-US" dirty="0"/>
+              <a:t>Answer Canvas Discussions Q&amp;A</a:t>
             </a:r>
           </a:p>
           <a:p>
@@ -5124,58 +5234,6 @@
                 </a:solidFill>
               </a:rPr>
               <a:t>following Friday before class</a:t>
-            </a:r>
-          </a:p>
-          <a:p>
-            <a:pPr lvl="1"/>
-            <a:endParaRPr lang="en-US" altLang="en-US" dirty="0">
-              <a:solidFill>
-                <a:srgbClr val="FF0000"/>
-              </a:solidFill>
-            </a:endParaRPr>
-          </a:p>
-          <a:p>
-            <a:r>
-              <a:rPr lang="en-US" dirty="0"/>
-              <a:t>Audience:</a:t>
-            </a:r>
-          </a:p>
-          <a:p>
-            <a:pPr lvl="1"/>
-            <a:r>
-              <a:rPr lang="en-US" dirty="0"/>
-              <a:t>Submit </a:t>
-            </a:r>
-            <a:r>
-              <a:rPr lang="en-US" dirty="0" err="1"/>
-              <a:t>TopHat</a:t>
-            </a:r>
-            <a:r>
-              <a:rPr lang="en-US" dirty="0"/>
-              <a:t> review by </a:t>
-            </a:r>
-            <a:r>
-              <a:rPr lang="en-US" dirty="0">
-                <a:solidFill>
-                  <a:srgbClr val="FF0000"/>
-                </a:solidFill>
-              </a:rPr>
-              <a:t>Friday midnight</a:t>
-            </a:r>
-          </a:p>
-          <a:p>
-            <a:pPr lvl="1"/>
-            <a:r>
-              <a:rPr lang="en-US" dirty="0"/>
-              <a:t>Give scores for Content, Organization, and Delivery</a:t>
-            </a:r>
-            <a:endParaRPr lang="en-US" altLang="en-US" dirty="0"/>
-          </a:p>
-          <a:p>
-            <a:pPr lvl="1"/>
-            <a:r>
-              <a:rPr lang="en-US" altLang="en-US" dirty="0"/>
-              <a:t>Freeform comments on the Feedback section</a:t>
             </a:r>
           </a:p>
           <a:p>
@@ -5636,19 +5694,11 @@
           <a:p>
             <a:r>
               <a:rPr lang="en-US" dirty="0"/>
-              <a:t>Do the </a:t>
-            </a:r>
-            <a:r>
-              <a:rPr lang="en-US" dirty="0" err="1"/>
-              <a:t>TopHat</a:t>
-            </a:r>
-            <a:r>
-              <a:rPr lang="en-US" dirty="0"/>
-              <a:t> survey by next week </a:t>
+              <a:t>Do the TopHat survey </a:t>
             </a:r>
             <a:r>
               <a:rPr lang="en-US"/>
-              <a:t>before class</a:t>
+              <a:t>by tonight</a:t>
             </a:r>
             <a:endParaRPr lang="en-US" dirty="0"/>
           </a:p>
@@ -6692,7 +6742,7 @@
               <a:t>Submit all slides to Canvas by </a:t>
             </a:r>
             <a:r>
-              <a:rPr lang="en-US" altLang="en-US">
+              <a:rPr lang="en-US" altLang="en-US" dirty="0">
                 <a:solidFill>
                   <a:srgbClr val="FF0000"/>
                 </a:solidFill>
@@ -6705,13 +6755,16 @@
             <a:pPr lvl="1"/>
             <a:r>
               <a:rPr lang="en-US" altLang="en-US" dirty="0"/>
-              <a:t>Preferred format: PDF (preferred), </a:t>
+              <a:t>Preferred format: </a:t>
             </a:r>
             <a:r>
               <a:rPr lang="en-US" altLang="en-US" dirty="0" err="1"/>
               <a:t>Powerpoint</a:t>
             </a:r>
-            <a:endParaRPr lang="en-US" altLang="en-US" dirty="0"/>
+            <a:r>
+              <a:rPr lang="en-US" altLang="en-US" dirty="0"/>
+              <a:t>, PDF</a:t>
+            </a:r>
           </a:p>
           <a:p>
             <a:pPr lvl="1"/>
@@ -6762,7 +6815,7 @@
           <a:p>
             <a:r>
               <a:rPr lang="en-US" altLang="en-US" dirty="0"/>
-              <a:t>Practice, practice, practice</a:t>
+              <a:t>Practice out loud and time yourself</a:t>
             </a:r>
           </a:p>
         </p:txBody>
@@ -6875,7 +6928,14 @@
             <a:pPr lvl="1"/>
             <a:r>
               <a:rPr lang="en-US" altLang="en-US" dirty="0"/>
-              <a:t>Audience: (If any) ask questions on Microsoft Teams</a:t>
+              <a:t>Leave 2 minutes in the end for Q&amp;A</a:t>
+            </a:r>
+            <a:br>
+              <a:rPr lang="en-US" altLang="en-US" dirty="0"/>
+            </a:br>
+            <a:r>
+              <a:rPr lang="en-US" altLang="en-US" dirty="0"/>
+              <a:t>(If out of time, use Canvas Discussions, addressing speaker)</a:t>
             </a:r>
           </a:p>
           <a:p>
@@ -6888,7 +6948,7 @@
             <a:pPr lvl="1"/>
             <a:r>
               <a:rPr lang="en-US" altLang="en-US" dirty="0"/>
-              <a:t>Current speaker: Return to seat, answer Q&amp;A on Teams</a:t>
+              <a:t>Current speaker: Return to seat, answer Q&amp;A on Canvas</a:t>
             </a:r>
           </a:p>
           <a:p>
@@ -6904,9 +6964,6 @@
               <a:rPr lang="en-US" altLang="en-US" dirty="0"/>
               <a:t>Audience: Take notes for peer reviews (due midnight)</a:t>
             </a:r>
-          </a:p>
-          <a:p>
-            <a:endParaRPr lang="en-US" altLang="en-US" dirty="0"/>
           </a:p>
           <a:p>
             <a:r>
@@ -6926,7 +6983,7 @@
             <a:pPr lvl="1"/>
             <a:r>
               <a:rPr lang="en-US" altLang="en-US" dirty="0"/>
-              <a:t>I have to cut you off at 9 minutes (with no warning)</a:t>
+              <a:t>I have to cut you off at 8 minutes (with no warning)</a:t>
             </a:r>
           </a:p>
         </p:txBody>
@@ -6941,6 +6998,421 @@
   <p:clrMapOvr>
     <a:masterClrMapping/>
   </p:clrMapOvr>
+  <p:timing>
+    <p:tnLst>
+      <p:par>
+        <p:cTn id="1" dur="indefinite" restart="never" nodeType="tmRoot">
+          <p:childTnLst>
+            <p:seq concurrent="1" nextAc="seek">
+              <p:cTn id="2" dur="indefinite" nodeType="mainSeq">
+                <p:childTnLst>
+                  <p:par>
+                    <p:cTn id="3" fill="hold">
+                      <p:stCondLst>
+                        <p:cond delay="indefinite"/>
+                      </p:stCondLst>
+                      <p:childTnLst>
+                        <p:par>
+                          <p:cTn id="4" fill="hold">
+                            <p:stCondLst>
+                              <p:cond delay="0"/>
+                            </p:stCondLst>
+                            <p:childTnLst>
+                              <p:par>
+                                <p:cTn id="5" presetID="1" presetClass="entr" presetSubtype="0" fill="hold" grpId="0" nodeType="clickEffect">
+                                  <p:stCondLst>
+                                    <p:cond delay="0"/>
+                                  </p:stCondLst>
+                                  <p:childTnLst>
+                                    <p:set>
+                                      <p:cBhvr>
+                                        <p:cTn id="6" dur="1" fill="hold">
+                                          <p:stCondLst>
+                                            <p:cond delay="0"/>
+                                          </p:stCondLst>
+                                        </p:cTn>
+                                        <p:tgtEl>
+                                          <p:spTgt spid="3">
+                                            <p:txEl>
+                                              <p:pRg st="0" end="0"/>
+                                            </p:txEl>
+                                          </p:spTgt>
+                                        </p:tgtEl>
+                                        <p:attrNameLst>
+                                          <p:attrName>style.visibility</p:attrName>
+                                        </p:attrNameLst>
+                                      </p:cBhvr>
+                                      <p:to>
+                                        <p:strVal val="visible"/>
+                                      </p:to>
+                                    </p:set>
+                                  </p:childTnLst>
+                                </p:cTn>
+                              </p:par>
+                            </p:childTnLst>
+                          </p:cTn>
+                        </p:par>
+                      </p:childTnLst>
+                    </p:cTn>
+                  </p:par>
+                  <p:par>
+                    <p:cTn id="7" fill="hold">
+                      <p:stCondLst>
+                        <p:cond delay="indefinite"/>
+                      </p:stCondLst>
+                      <p:childTnLst>
+                        <p:par>
+                          <p:cTn id="8" fill="hold">
+                            <p:stCondLst>
+                              <p:cond delay="0"/>
+                            </p:stCondLst>
+                            <p:childTnLst>
+                              <p:par>
+                                <p:cTn id="9" presetID="1" presetClass="entr" presetSubtype="0" fill="hold" grpId="0" nodeType="clickEffect">
+                                  <p:stCondLst>
+                                    <p:cond delay="0"/>
+                                  </p:stCondLst>
+                                  <p:childTnLst>
+                                    <p:set>
+                                      <p:cBhvr>
+                                        <p:cTn id="10" dur="1" fill="hold">
+                                          <p:stCondLst>
+                                            <p:cond delay="0"/>
+                                          </p:stCondLst>
+                                        </p:cTn>
+                                        <p:tgtEl>
+                                          <p:spTgt spid="3">
+                                            <p:txEl>
+                                              <p:pRg st="1" end="1"/>
+                                            </p:txEl>
+                                          </p:spTgt>
+                                        </p:tgtEl>
+                                        <p:attrNameLst>
+                                          <p:attrName>style.visibility</p:attrName>
+                                        </p:attrNameLst>
+                                      </p:cBhvr>
+                                      <p:to>
+                                        <p:strVal val="visible"/>
+                                      </p:to>
+                                    </p:set>
+                                  </p:childTnLst>
+                                </p:cTn>
+                              </p:par>
+                              <p:par>
+                                <p:cTn id="11" presetID="1" presetClass="entr" presetSubtype="0" fill="hold" grpId="0" nodeType="withEffect">
+                                  <p:stCondLst>
+                                    <p:cond delay="0"/>
+                                  </p:stCondLst>
+                                  <p:childTnLst>
+                                    <p:set>
+                                      <p:cBhvr>
+                                        <p:cTn id="12" dur="1" fill="hold">
+                                          <p:stCondLst>
+                                            <p:cond delay="0"/>
+                                          </p:stCondLst>
+                                        </p:cTn>
+                                        <p:tgtEl>
+                                          <p:spTgt spid="3">
+                                            <p:txEl>
+                                              <p:pRg st="2" end="2"/>
+                                            </p:txEl>
+                                          </p:spTgt>
+                                        </p:tgtEl>
+                                        <p:attrNameLst>
+                                          <p:attrName>style.visibility</p:attrName>
+                                        </p:attrNameLst>
+                                      </p:cBhvr>
+                                      <p:to>
+                                        <p:strVal val="visible"/>
+                                      </p:to>
+                                    </p:set>
+                                  </p:childTnLst>
+                                </p:cTn>
+                              </p:par>
+                              <p:par>
+                                <p:cTn id="13" presetID="1" presetClass="entr" presetSubtype="0" fill="hold" grpId="0" nodeType="withEffect">
+                                  <p:stCondLst>
+                                    <p:cond delay="0"/>
+                                  </p:stCondLst>
+                                  <p:childTnLst>
+                                    <p:set>
+                                      <p:cBhvr>
+                                        <p:cTn id="14" dur="1" fill="hold">
+                                          <p:stCondLst>
+                                            <p:cond delay="0"/>
+                                          </p:stCondLst>
+                                        </p:cTn>
+                                        <p:tgtEl>
+                                          <p:spTgt spid="3">
+                                            <p:txEl>
+                                              <p:pRg st="3" end="3"/>
+                                            </p:txEl>
+                                          </p:spTgt>
+                                        </p:tgtEl>
+                                        <p:attrNameLst>
+                                          <p:attrName>style.visibility</p:attrName>
+                                        </p:attrNameLst>
+                                      </p:cBhvr>
+                                      <p:to>
+                                        <p:strVal val="visible"/>
+                                      </p:to>
+                                    </p:set>
+                                  </p:childTnLst>
+                                </p:cTn>
+                              </p:par>
+                            </p:childTnLst>
+                          </p:cTn>
+                        </p:par>
+                      </p:childTnLst>
+                    </p:cTn>
+                  </p:par>
+                  <p:par>
+                    <p:cTn id="15" fill="hold">
+                      <p:stCondLst>
+                        <p:cond delay="indefinite"/>
+                      </p:stCondLst>
+                      <p:childTnLst>
+                        <p:par>
+                          <p:cTn id="16" fill="hold">
+                            <p:stCondLst>
+                              <p:cond delay="0"/>
+                            </p:stCondLst>
+                            <p:childTnLst>
+                              <p:par>
+                                <p:cTn id="17" presetID="1" presetClass="entr" presetSubtype="0" fill="hold" grpId="0" nodeType="clickEffect">
+                                  <p:stCondLst>
+                                    <p:cond delay="0"/>
+                                  </p:stCondLst>
+                                  <p:childTnLst>
+                                    <p:set>
+                                      <p:cBhvr>
+                                        <p:cTn id="18" dur="1" fill="hold">
+                                          <p:stCondLst>
+                                            <p:cond delay="0"/>
+                                          </p:stCondLst>
+                                        </p:cTn>
+                                        <p:tgtEl>
+                                          <p:spTgt spid="3">
+                                            <p:txEl>
+                                              <p:pRg st="4" end="4"/>
+                                            </p:txEl>
+                                          </p:spTgt>
+                                        </p:tgtEl>
+                                        <p:attrNameLst>
+                                          <p:attrName>style.visibility</p:attrName>
+                                        </p:attrNameLst>
+                                      </p:cBhvr>
+                                      <p:to>
+                                        <p:strVal val="visible"/>
+                                      </p:to>
+                                    </p:set>
+                                  </p:childTnLst>
+                                </p:cTn>
+                              </p:par>
+                              <p:par>
+                                <p:cTn id="19" presetID="1" presetClass="entr" presetSubtype="0" fill="hold" grpId="0" nodeType="withEffect">
+                                  <p:stCondLst>
+                                    <p:cond delay="0"/>
+                                  </p:stCondLst>
+                                  <p:childTnLst>
+                                    <p:set>
+                                      <p:cBhvr>
+                                        <p:cTn id="20" dur="1" fill="hold">
+                                          <p:stCondLst>
+                                            <p:cond delay="0"/>
+                                          </p:stCondLst>
+                                        </p:cTn>
+                                        <p:tgtEl>
+                                          <p:spTgt spid="3">
+                                            <p:txEl>
+                                              <p:pRg st="5" end="5"/>
+                                            </p:txEl>
+                                          </p:spTgt>
+                                        </p:tgtEl>
+                                        <p:attrNameLst>
+                                          <p:attrName>style.visibility</p:attrName>
+                                        </p:attrNameLst>
+                                      </p:cBhvr>
+                                      <p:to>
+                                        <p:strVal val="visible"/>
+                                      </p:to>
+                                    </p:set>
+                                  </p:childTnLst>
+                                </p:cTn>
+                              </p:par>
+                              <p:par>
+                                <p:cTn id="21" presetID="1" presetClass="entr" presetSubtype="0" fill="hold" grpId="0" nodeType="withEffect">
+                                  <p:stCondLst>
+                                    <p:cond delay="0"/>
+                                  </p:stCondLst>
+                                  <p:childTnLst>
+                                    <p:set>
+                                      <p:cBhvr>
+                                        <p:cTn id="22" dur="1" fill="hold">
+                                          <p:stCondLst>
+                                            <p:cond delay="0"/>
+                                          </p:stCondLst>
+                                        </p:cTn>
+                                        <p:tgtEl>
+                                          <p:spTgt spid="3">
+                                            <p:txEl>
+                                              <p:pRg st="6" end="6"/>
+                                            </p:txEl>
+                                          </p:spTgt>
+                                        </p:tgtEl>
+                                        <p:attrNameLst>
+                                          <p:attrName>style.visibility</p:attrName>
+                                        </p:attrNameLst>
+                                      </p:cBhvr>
+                                      <p:to>
+                                        <p:strVal val="visible"/>
+                                      </p:to>
+                                    </p:set>
+                                  </p:childTnLst>
+                                </p:cTn>
+                              </p:par>
+                              <p:par>
+                                <p:cTn id="23" presetID="1" presetClass="entr" presetSubtype="0" fill="hold" grpId="0" nodeType="withEffect">
+                                  <p:stCondLst>
+                                    <p:cond delay="0"/>
+                                  </p:stCondLst>
+                                  <p:childTnLst>
+                                    <p:set>
+                                      <p:cBhvr>
+                                        <p:cTn id="24" dur="1" fill="hold">
+                                          <p:stCondLst>
+                                            <p:cond delay="0"/>
+                                          </p:stCondLst>
+                                        </p:cTn>
+                                        <p:tgtEl>
+                                          <p:spTgt spid="3">
+                                            <p:txEl>
+                                              <p:pRg st="7" end="7"/>
+                                            </p:txEl>
+                                          </p:spTgt>
+                                        </p:tgtEl>
+                                        <p:attrNameLst>
+                                          <p:attrName>style.visibility</p:attrName>
+                                        </p:attrNameLst>
+                                      </p:cBhvr>
+                                      <p:to>
+                                        <p:strVal val="visible"/>
+                                      </p:to>
+                                    </p:set>
+                                  </p:childTnLst>
+                                </p:cTn>
+                              </p:par>
+                            </p:childTnLst>
+                          </p:cTn>
+                        </p:par>
+                      </p:childTnLst>
+                    </p:cTn>
+                  </p:par>
+                  <p:par>
+                    <p:cTn id="25" fill="hold">
+                      <p:stCondLst>
+                        <p:cond delay="indefinite"/>
+                      </p:stCondLst>
+                      <p:childTnLst>
+                        <p:par>
+                          <p:cTn id="26" fill="hold">
+                            <p:stCondLst>
+                              <p:cond delay="0"/>
+                            </p:stCondLst>
+                            <p:childTnLst>
+                              <p:par>
+                                <p:cTn id="27" presetID="1" presetClass="entr" presetSubtype="0" fill="hold" grpId="0" nodeType="clickEffect">
+                                  <p:stCondLst>
+                                    <p:cond delay="0"/>
+                                  </p:stCondLst>
+                                  <p:childTnLst>
+                                    <p:set>
+                                      <p:cBhvr>
+                                        <p:cTn id="28" dur="1" fill="hold">
+                                          <p:stCondLst>
+                                            <p:cond delay="0"/>
+                                          </p:stCondLst>
+                                        </p:cTn>
+                                        <p:tgtEl>
+                                          <p:spTgt spid="3">
+                                            <p:txEl>
+                                              <p:pRg st="8" end="8"/>
+                                            </p:txEl>
+                                          </p:spTgt>
+                                        </p:tgtEl>
+                                        <p:attrNameLst>
+                                          <p:attrName>style.visibility</p:attrName>
+                                        </p:attrNameLst>
+                                      </p:cBhvr>
+                                      <p:to>
+                                        <p:strVal val="visible"/>
+                                      </p:to>
+                                    </p:set>
+                                  </p:childTnLst>
+                                </p:cTn>
+                              </p:par>
+                              <p:par>
+                                <p:cTn id="29" presetID="1" presetClass="entr" presetSubtype="0" fill="hold" grpId="0" nodeType="withEffect">
+                                  <p:stCondLst>
+                                    <p:cond delay="0"/>
+                                  </p:stCondLst>
+                                  <p:childTnLst>
+                                    <p:set>
+                                      <p:cBhvr>
+                                        <p:cTn id="30" dur="1" fill="hold">
+                                          <p:stCondLst>
+                                            <p:cond delay="0"/>
+                                          </p:stCondLst>
+                                        </p:cTn>
+                                        <p:tgtEl>
+                                          <p:spTgt spid="3">
+                                            <p:txEl>
+                                              <p:pRg st="9" end="9"/>
+                                            </p:txEl>
+                                          </p:spTgt>
+                                        </p:tgtEl>
+                                        <p:attrNameLst>
+                                          <p:attrName>style.visibility</p:attrName>
+                                        </p:attrNameLst>
+                                      </p:cBhvr>
+                                      <p:to>
+                                        <p:strVal val="visible"/>
+                                      </p:to>
+                                    </p:set>
+                                  </p:childTnLst>
+                                </p:cTn>
+                              </p:par>
+                            </p:childTnLst>
+                          </p:cTn>
+                        </p:par>
+                      </p:childTnLst>
+                    </p:cTn>
+                  </p:par>
+                </p:childTnLst>
+              </p:cTn>
+              <p:prevCondLst>
+                <p:cond evt="onPrev" delay="0">
+                  <p:tgtEl>
+                    <p:sldTgt/>
+                  </p:tgtEl>
+                </p:cond>
+              </p:prevCondLst>
+              <p:nextCondLst>
+                <p:cond evt="onNext" delay="0">
+                  <p:tgtEl>
+                    <p:sldTgt/>
+                  </p:tgtEl>
+                </p:cond>
+              </p:nextCondLst>
+            </p:seq>
+          </p:childTnLst>
+        </p:cTn>
+      </p:par>
+    </p:tnLst>
+    <p:bldLst>
+      <p:bldP spid="3" grpId="0" build="p"/>
+    </p:bldLst>
+  </p:timing>
 </p:sld>
 </file>
 

--- a/lectures/introduction-internship.pptx
+++ b/lectures/introduction-internship.pptx
@@ -184,7 +184,7 @@
   <pc:docChgLst>
     <pc:chgData name="Daniel Ahn" userId="cb1d34211dc1be1a" providerId="LiveId" clId="{DBF7E791-651D-4F15-8628-A795EB6714FC}"/>
     <pc:docChg chg="custSel modSld">
-      <pc:chgData name="Daniel Ahn" userId="cb1d34211dc1be1a" providerId="LiveId" clId="{DBF7E791-651D-4F15-8628-A795EB6714FC}" dt="2023-09-01T13:31:17.826" v="499" actId="20577"/>
+      <pc:chgData name="Daniel Ahn" userId="cb1d34211dc1be1a" providerId="LiveId" clId="{DBF7E791-651D-4F15-8628-A795EB6714FC}" dt="2023-12-01T03:54:34.271" v="516" actId="20577"/>
       <pc:docMkLst>
         <pc:docMk/>
       </pc:docMkLst>
@@ -219,13 +219,13 @@
         </pc:spChg>
       </pc:sldChg>
       <pc:sldChg chg="modSp mod">
-        <pc:chgData name="Daniel Ahn" userId="cb1d34211dc1be1a" providerId="LiveId" clId="{DBF7E791-651D-4F15-8628-A795EB6714FC}" dt="2023-09-01T13:28:25.007" v="380" actId="20577"/>
+        <pc:chgData name="Daniel Ahn" userId="cb1d34211dc1be1a" providerId="LiveId" clId="{DBF7E791-651D-4F15-8628-A795EB6714FC}" dt="2023-12-01T03:54:34.271" v="516" actId="20577"/>
         <pc:sldMkLst>
           <pc:docMk/>
           <pc:sldMk cId="733213278" sldId="348"/>
         </pc:sldMkLst>
         <pc:spChg chg="mod">
-          <ac:chgData name="Daniel Ahn" userId="cb1d34211dc1be1a" providerId="LiveId" clId="{DBF7E791-651D-4F15-8628-A795EB6714FC}" dt="2023-09-01T13:28:25.007" v="380" actId="20577"/>
+          <ac:chgData name="Daniel Ahn" userId="cb1d34211dc1be1a" providerId="LiveId" clId="{DBF7E791-651D-4F15-8628-A795EB6714FC}" dt="2023-12-01T03:54:34.271" v="516" actId="20577"/>
           <ac:spMkLst>
             <pc:docMk/>
             <pc:sldMk cId="733213278" sldId="348"/>
@@ -381,7 +381,7 @@
             <a:fld id="{8AD1700A-0812-4960-BDAF-BBEBDA6F415D}" type="datetime1">
               <a:rPr lang="en-US" altLang="en-US"/>
               <a:pPr/>
-              <a:t>9/1/2023</a:t>
+              <a:t>11/30/2023</a:t>
             </a:fld>
             <a:endParaRPr lang="en-US" altLang="en-US"/>
           </a:p>
@@ -663,7 +663,7 @@
           </a:ln>
           <a:extLst>
             <a:ext uri="{909E8E84-426E-40dd-AFC4-6F175D3DCCD1}">
-              <a14:hiddenFill xmlns="" xmlns:a14="http://schemas.microsoft.com/office/drawing/2010/main">
+              <a14:hiddenFill xmlns:a14="http://schemas.microsoft.com/office/drawing/2010/main" xmlns="">
                 <a:solidFill>
                   <a:srgbClr val="FFFFFF"/>
                 </a:solidFill>
@@ -1048,14 +1048,14 @@
           <a:ln/>
           <a:extLst>
             <a:ext uri="{909E8E84-426E-40dd-AFC4-6F175D3DCCD1}">
-              <a14:hiddenFill xmlns="" xmlns:a14="http://schemas.microsoft.com/office/drawing/2010/main">
+              <a14:hiddenFill xmlns:a14="http://schemas.microsoft.com/office/drawing/2010/main" xmlns="">
                 <a:solidFill>
                   <a:srgbClr val="FFFFFF"/>
                 </a:solidFill>
               </a14:hiddenFill>
             </a:ext>
             <a:ext uri="{91240B29-F687-4f45-9708-019B960494DF}">
-              <a14:hiddenLine xmlns="" xmlns:a14="http://schemas.microsoft.com/office/drawing/2010/main" w="9525">
+              <a14:hiddenLine xmlns:a14="http://schemas.microsoft.com/office/drawing/2010/main" xmlns="" w="9525">
                 <a:solidFill>
                   <a:srgbClr val="000000"/>
                 </a:solidFill>
@@ -1097,14 +1097,14 @@
           <a:ln/>
           <a:extLst>
             <a:ext uri="{909E8E84-426E-40dd-AFC4-6F175D3DCCD1}">
-              <a14:hiddenFill xmlns="" xmlns:a14="http://schemas.microsoft.com/office/drawing/2010/main">
+              <a14:hiddenFill xmlns:a14="http://schemas.microsoft.com/office/drawing/2010/main" xmlns="">
                 <a:solidFill>
                   <a:srgbClr val="FFFFFF"/>
                 </a:solidFill>
               </a14:hiddenFill>
             </a:ext>
             <a:ext uri="{91240B29-F687-4f45-9708-019B960494DF}">
-              <a14:hiddenLine xmlns="" xmlns:a14="http://schemas.microsoft.com/office/drawing/2010/main" w="9525">
+              <a14:hiddenLine xmlns:a14="http://schemas.microsoft.com/office/drawing/2010/main" xmlns="" w="9525">
                 <a:solidFill>
                   <a:srgbClr val="000000"/>
                 </a:solidFill>
@@ -1305,7 +1305,7 @@
           </a:ln>
           <a:extLst>
             <a:ext uri="{91240B29-F687-4f45-9708-019B960494DF}">
-              <a14:hiddenLine xmlns="" xmlns:a14="http://schemas.microsoft.com/office/drawing/2010/main" w="9525">
+              <a14:hiddenLine xmlns:a14="http://schemas.microsoft.com/office/drawing/2010/main" xmlns="" w="9525">
                 <a:solidFill>
                   <a:srgbClr val="000000"/>
                 </a:solidFill>
@@ -1471,14 +1471,14 @@
           </a:ln>
           <a:extLst>
             <a:ext uri="{909E8E84-426E-40dd-AFC4-6F175D3DCCD1}">
-              <a14:hiddenFill xmlns="" xmlns:a14="http://schemas.microsoft.com/office/drawing/2010/main">
+              <a14:hiddenFill xmlns:a14="http://schemas.microsoft.com/office/drawing/2010/main" xmlns="">
                 <a:solidFill>
                   <a:srgbClr val="FFFFFF"/>
                 </a:solidFill>
               </a14:hiddenFill>
             </a:ext>
             <a:ext uri="{91240B29-F687-4f45-9708-019B960494DF}">
-              <a14:hiddenLine xmlns="" xmlns:a14="http://schemas.microsoft.com/office/drawing/2010/main" w="9525">
+              <a14:hiddenLine xmlns:a14="http://schemas.microsoft.com/office/drawing/2010/main" xmlns="" w="9525">
                 <a:solidFill>
                   <a:srgbClr val="000000"/>
                 </a:solidFill>
@@ -3712,7 +3712,7 @@
             </a:ln>
             <a:extLst>
               <a:ext uri="{91240B29-F687-4f45-9708-019B960494DF}">
-                <a14:hiddenLine xmlns="" xmlns:a14="http://schemas.microsoft.com/office/drawing/2010/main" w="9525">
+                <a14:hiddenLine xmlns:a14="http://schemas.microsoft.com/office/drawing/2010/main" xmlns="" w="9525">
                   <a:solidFill>
                     <a:srgbClr val="000000"/>
                   </a:solidFill>
@@ -3875,7 +3875,7 @@
             </a:ln>
             <a:extLst>
               <a:ext uri="{91240B29-F687-4f45-9708-019B960494DF}">
-                <a14:hiddenLine xmlns="" xmlns:a14="http://schemas.microsoft.com/office/drawing/2010/main" w="9525">
+                <a14:hiddenLine xmlns:a14="http://schemas.microsoft.com/office/drawing/2010/main" xmlns="" w="9525">
                   <a:solidFill>
                     <a:srgbClr val="000000"/>
                   </a:solidFill>
@@ -4031,14 +4031,14 @@
           </a:ln>
           <a:extLst>
             <a:ext uri="{909E8E84-426E-40dd-AFC4-6F175D3DCCD1}">
-              <a14:hiddenFill xmlns="" xmlns:a14="http://schemas.microsoft.com/office/drawing/2010/main">
+              <a14:hiddenFill xmlns:a14="http://schemas.microsoft.com/office/drawing/2010/main" xmlns="">
                 <a:solidFill>
                   <a:srgbClr val="FFFFFF"/>
                 </a:solidFill>
               </a14:hiddenFill>
             </a:ext>
             <a:ext uri="{91240B29-F687-4f45-9708-019B960494DF}">
-              <a14:hiddenLine xmlns="" xmlns:a14="http://schemas.microsoft.com/office/drawing/2010/main" w="9525">
+              <a14:hiddenLine xmlns:a14="http://schemas.microsoft.com/office/drawing/2010/main" xmlns="" w="9525">
                 <a:solidFill>
                   <a:srgbClr val="000000"/>
                 </a:solidFill>
@@ -4095,14 +4095,14 @@
           </a:ln>
           <a:extLst>
             <a:ext uri="{909E8E84-426E-40dd-AFC4-6F175D3DCCD1}">
-              <a14:hiddenFill xmlns="" xmlns:a14="http://schemas.microsoft.com/office/drawing/2010/main">
+              <a14:hiddenFill xmlns:a14="http://schemas.microsoft.com/office/drawing/2010/main" xmlns="">
                 <a:solidFill>
                   <a:srgbClr val="FFFFFF"/>
                 </a:solidFill>
               </a14:hiddenFill>
             </a:ext>
             <a:ext uri="{91240B29-F687-4f45-9708-019B960494DF}">
-              <a14:hiddenLine xmlns="" xmlns:a14="http://schemas.microsoft.com/office/drawing/2010/main" w="9525">
+              <a14:hiddenLine xmlns:a14="http://schemas.microsoft.com/office/drawing/2010/main" xmlns="" w="9525">
                 <a:solidFill>
                   <a:srgbClr val="000000"/>
                 </a:solidFill>
@@ -4198,14 +4198,14 @@
           </a:ln>
           <a:extLst>
             <a:ext uri="{909E8E84-426E-40dd-AFC4-6F175D3DCCD1}">
-              <a14:hiddenFill xmlns="" xmlns:a14="http://schemas.microsoft.com/office/drawing/2010/main">
+              <a14:hiddenFill xmlns:a14="http://schemas.microsoft.com/office/drawing/2010/main" xmlns="">
                 <a:solidFill>
                   <a:srgbClr val="FFFFFF"/>
                 </a:solidFill>
               </a14:hiddenFill>
             </a:ext>
             <a:ext uri="{91240B29-F687-4f45-9708-019B960494DF}">
-              <a14:hiddenLine xmlns="" xmlns:a14="http://schemas.microsoft.com/office/drawing/2010/main" w="9525">
+              <a14:hiddenLine xmlns:a14="http://schemas.microsoft.com/office/drawing/2010/main" xmlns="" w="9525">
                 <a:solidFill>
                   <a:srgbClr val="000000"/>
                 </a:solidFill>
@@ -4777,14 +4777,14 @@
           </a:ln>
           <a:extLst>
             <a:ext uri="{909E8E84-426E-40dd-AFC4-6F175D3DCCD1}">
-              <a14:hiddenFill xmlns="" xmlns:a14="http://schemas.microsoft.com/office/drawing/2010/main">
+              <a14:hiddenFill xmlns:a14="http://schemas.microsoft.com/office/drawing/2010/main" xmlns="">
                 <a:solidFill>
                   <a:srgbClr val="FFFFFF"/>
                 </a:solidFill>
               </a14:hiddenFill>
             </a:ext>
             <a:ext uri="{91240B29-F687-4f45-9708-019B960494DF}">
-              <a14:hiddenLine xmlns="" xmlns:a14="http://schemas.microsoft.com/office/drawing/2010/main" w="9525">
+              <a14:hiddenLine xmlns:a14="http://schemas.microsoft.com/office/drawing/2010/main" xmlns="" w="9525">
                 <a:solidFill>
                   <a:srgbClr val="000000"/>
                 </a:solidFill>
@@ -4907,14 +4907,14 @@
           </a:ln>
           <a:extLst>
             <a:ext uri="{909E8E84-426E-40dd-AFC4-6F175D3DCCD1}">
-              <a14:hiddenFill xmlns="" xmlns:a14="http://schemas.microsoft.com/office/drawing/2010/main">
+              <a14:hiddenFill xmlns:a14="http://schemas.microsoft.com/office/drawing/2010/main" xmlns="">
                 <a:solidFill>
                   <a:srgbClr val="FFFFFF"/>
                 </a:solidFill>
               </a14:hiddenFill>
             </a:ext>
             <a:ext uri="{91240B29-F687-4f45-9708-019B960494DF}">
-              <a14:hiddenLine xmlns="" xmlns:a14="http://schemas.microsoft.com/office/drawing/2010/main" w="9525">
+              <a14:hiddenLine xmlns:a14="http://schemas.microsoft.com/office/drawing/2010/main" xmlns="" w="9525">
                 <a:solidFill>
                   <a:srgbClr val="000000"/>
                 </a:solidFill>
@@ -5233,8 +5233,21 @@
                   <a:srgbClr val="FF0000"/>
                 </a:solidFill>
               </a:rPr>
-              <a:t>following Friday before class</a:t>
-            </a:r>
+              <a:t>following Friday </a:t>
+            </a:r>
+            <a:r>
+              <a:rPr lang="en-US" altLang="en-US">
+                <a:solidFill>
+                  <a:srgbClr val="FF0000"/>
+                </a:solidFill>
+              </a:rPr>
+              <a:t>by midnight</a:t>
+            </a:r>
+            <a:endParaRPr lang="en-US" altLang="en-US" dirty="0">
+              <a:solidFill>
+                <a:srgbClr val="FF0000"/>
+              </a:solidFill>
+            </a:endParaRPr>
           </a:p>
           <a:p>
             <a:pPr lvl="1"/>
